--- a/documentazione/Bot Telegram Covid-19.pptx
+++ b/documentazione/Bot Telegram Covid-19.pptx
@@ -10,6 +10,8 @@
     <p:sldId id="258" r:id="rId4"/>
     <p:sldId id="259" r:id="rId5"/>
     <p:sldId id="260" r:id="rId6"/>
+    <p:sldId id="261" r:id="rId7"/>
+    <p:sldId id="262" r:id="rId8"/>
   </p:sldIdLst>
   <p:sldSz cx="12192000" cy="6858000"/>
   <p:notesSz cx="6858000" cy="9144000"/>
@@ -108,6 +110,11 @@
       </a:defRPr>
     </a:lvl9pPr>
   </p:defaultTextStyle>
+  <p:extLst>
+    <p:ext uri="{EFAFB233-063F-42B5-8137-9DF3F51BA10A}">
+      <p15:sldGuideLst xmlns:p15="http://schemas.microsoft.com/office/powerpoint/2012/main"/>
+    </p:ext>
+  </p:extLst>
 </p:presentation>
 </file>
 
@@ -614,7 +621,7 @@
             <a:fld id="{B61BEF0D-F0BB-DE4B-95CE-6DB70DBA9567}" type="datetimeFigureOut">
               <a:rPr lang="en-US" dirty="0"/>
               <a:pPr/>
-              <a:t>6/5/2020</a:t>
+              <a:t>6/8/2020</a:t>
             </a:fld>
             <a:endParaRPr lang="en-US" dirty="0"/>
           </a:p>
@@ -662,7 +669,7 @@
             <a:fld id="{D57F1E4F-1CFF-5643-939E-217C01CDF565}" type="slidenum">
               <a:rPr lang="en-US" dirty="0"/>
               <a:pPr/>
-              <a:t>‹#›</a:t>
+              <a:t>‹N›</a:t>
             </a:fld>
             <a:endParaRPr lang="en-US" dirty="0"/>
           </a:p>
@@ -907,7 +914,7 @@
             <a:fld id="{B61BEF0D-F0BB-DE4B-95CE-6DB70DBA9567}" type="datetimeFigureOut">
               <a:rPr lang="en-US" dirty="0"/>
               <a:pPr/>
-              <a:t>6/5/2020</a:t>
+              <a:t>6/8/2020</a:t>
             </a:fld>
             <a:endParaRPr lang="en-US" dirty="0"/>
           </a:p>
@@ -950,7 +957,7 @@
             <a:fld id="{D57F1E4F-1CFF-5643-939E-217C01CDF565}" type="slidenum">
               <a:rPr lang="en-US" dirty="0"/>
               <a:pPr/>
-              <a:t>‹#›</a:t>
+              <a:t>‹N›</a:t>
             </a:fld>
             <a:endParaRPr lang="en-US" dirty="0"/>
           </a:p>
@@ -1152,7 +1159,7 @@
             <a:fld id="{B61BEF0D-F0BB-DE4B-95CE-6DB70DBA9567}" type="datetimeFigureOut">
               <a:rPr lang="en-US" dirty="0"/>
               <a:pPr/>
-              <a:t>6/5/2020</a:t>
+              <a:t>6/8/2020</a:t>
             </a:fld>
             <a:endParaRPr lang="en-US" dirty="0"/>
           </a:p>
@@ -1195,7 +1202,7 @@
             <a:fld id="{D57F1E4F-1CFF-5643-939E-217C01CDF565}" type="slidenum">
               <a:rPr lang="en-US" dirty="0"/>
               <a:pPr/>
-              <a:t>‹#›</a:t>
+              <a:t>‹N›</a:t>
             </a:fld>
             <a:endParaRPr lang="en-US" dirty="0"/>
           </a:p>
@@ -1689,7 +1696,7 @@
             <a:fld id="{B61BEF0D-F0BB-DE4B-95CE-6DB70DBA9567}" type="datetimeFigureOut">
               <a:rPr lang="en-US" dirty="0"/>
               <a:pPr/>
-              <a:t>6/5/2020</a:t>
+              <a:t>6/8/2020</a:t>
             </a:fld>
             <a:endParaRPr lang="en-US" dirty="0"/>
           </a:p>
@@ -1732,7 +1739,7 @@
             <a:fld id="{D57F1E4F-1CFF-5643-939E-217C01CDF565}" type="slidenum">
               <a:rPr lang="en-US" dirty="0"/>
               <a:pPr/>
-              <a:t>‹#›</a:t>
+              <a:t>‹N›</a:t>
             </a:fld>
             <a:endParaRPr lang="en-US" dirty="0"/>
           </a:p>
@@ -1934,7 +1941,7 @@
             <a:fld id="{B61BEF0D-F0BB-DE4B-95CE-6DB70DBA9567}" type="datetimeFigureOut">
               <a:rPr lang="en-US" dirty="0"/>
               <a:pPr/>
-              <a:t>6/5/2020</a:t>
+              <a:t>6/8/2020</a:t>
             </a:fld>
             <a:endParaRPr lang="en-US" dirty="0"/>
           </a:p>
@@ -1977,7 +1984,7 @@
             <a:fld id="{D57F1E4F-1CFF-5643-939E-217C01CDF565}" type="slidenum">
               <a:rPr lang="en-US" dirty="0"/>
               <a:pPr/>
-              <a:t>‹#›</a:t>
+              <a:t>‹N›</a:t>
             </a:fld>
             <a:endParaRPr lang="en-US" dirty="0"/>
           </a:p>
@@ -2463,7 +2470,7 @@
             <a:fld id="{B61BEF0D-F0BB-DE4B-95CE-6DB70DBA9567}" type="datetimeFigureOut">
               <a:rPr lang="en-US" dirty="0"/>
               <a:pPr/>
-              <a:t>6/5/2020</a:t>
+              <a:t>6/8/2020</a:t>
             </a:fld>
             <a:endParaRPr lang="en-US" dirty="0"/>
           </a:p>
@@ -2506,7 +2513,7 @@
             <a:fld id="{D57F1E4F-1CFF-5643-939E-217C01CDF565}" type="slidenum">
               <a:rPr lang="en-US" dirty="0"/>
               <a:pPr/>
-              <a:t>‹#›</a:t>
+              <a:t>‹N›</a:t>
             </a:fld>
             <a:endParaRPr lang="en-US" dirty="0"/>
           </a:p>
@@ -2757,7 +2764,7 @@
             <a:fld id="{B61BEF0D-F0BB-DE4B-95CE-6DB70DBA9567}" type="datetimeFigureOut">
               <a:rPr lang="en-US" dirty="0"/>
               <a:pPr/>
-              <a:t>6/5/2020</a:t>
+              <a:t>6/8/2020</a:t>
             </a:fld>
             <a:endParaRPr lang="en-US" dirty="0"/>
           </a:p>
@@ -2800,7 +2807,7 @@
             <a:fld id="{D57F1E4F-1CFF-5643-939E-217C01CDF565}" type="slidenum">
               <a:rPr lang="en-US" dirty="0"/>
               <a:pPr/>
-              <a:t>‹#›</a:t>
+              <a:t>‹N›</a:t>
             </a:fld>
             <a:endParaRPr lang="en-US" dirty="0"/>
           </a:p>
@@ -2928,7 +2935,7 @@
             <a:fld id="{B61BEF0D-F0BB-DE4B-95CE-6DB70DBA9567}" type="datetimeFigureOut">
               <a:rPr lang="en-US" dirty="0"/>
               <a:pPr/>
-              <a:t>6/5/2020</a:t>
+              <a:t>6/8/2020</a:t>
             </a:fld>
             <a:endParaRPr lang="en-US" dirty="0"/>
           </a:p>
@@ -2971,7 +2978,7 @@
             <a:fld id="{D57F1E4F-1CFF-5643-939E-217C01CDF565}" type="slidenum">
               <a:rPr lang="en-US" dirty="0"/>
               <a:pPr/>
-              <a:t>‹#›</a:t>
+              <a:t>‹N›</a:t>
             </a:fld>
             <a:endParaRPr lang="en-US" dirty="0"/>
           </a:p>
@@ -3105,7 +3112,7 @@
             <a:fld id="{B61BEF0D-F0BB-DE4B-95CE-6DB70DBA9567}" type="datetimeFigureOut">
               <a:rPr lang="en-US" dirty="0"/>
               <a:pPr/>
-              <a:t>6/5/2020</a:t>
+              <a:t>6/8/2020</a:t>
             </a:fld>
             <a:endParaRPr lang="en-US" dirty="0"/>
           </a:p>
@@ -3148,7 +3155,7 @@
             <a:fld id="{D57F1E4F-1CFF-5643-939E-217C01CDF565}" type="slidenum">
               <a:rPr lang="en-US" dirty="0"/>
               <a:pPr/>
-              <a:t>‹#›</a:t>
+              <a:t>‹N›</a:t>
             </a:fld>
             <a:endParaRPr lang="en-US" dirty="0"/>
           </a:p>
@@ -3272,7 +3279,7 @@
             <a:fld id="{B61BEF0D-F0BB-DE4B-95CE-6DB70DBA9567}" type="datetimeFigureOut">
               <a:rPr lang="en-US" dirty="0"/>
               <a:pPr/>
-              <a:t>6/5/2020</a:t>
+              <a:t>6/8/2020</a:t>
             </a:fld>
             <a:endParaRPr lang="en-US" dirty="0"/>
           </a:p>
@@ -3320,7 +3327,7 @@
             <a:fld id="{D57F1E4F-1CFF-5643-939E-217C01CDF565}" type="slidenum">
               <a:rPr lang="en-US" dirty="0"/>
               <a:pPr/>
-              <a:t>‹#›</a:t>
+              <a:t>‹N›</a:t>
             </a:fld>
             <a:endParaRPr lang="en-US" dirty="0"/>
           </a:p>
@@ -3520,7 +3527,7 @@
             <a:fld id="{B61BEF0D-F0BB-DE4B-95CE-6DB70DBA9567}" type="datetimeFigureOut">
               <a:rPr lang="en-US" dirty="0"/>
               <a:pPr/>
-              <a:t>6/5/2020</a:t>
+              <a:t>6/8/2020</a:t>
             </a:fld>
             <a:endParaRPr lang="en-US" dirty="0"/>
           </a:p>
@@ -3563,7 +3570,7 @@
             <a:fld id="{D57F1E4F-1CFF-5643-939E-217C01CDF565}" type="slidenum">
               <a:rPr lang="en-US" dirty="0"/>
               <a:pPr/>
-              <a:t>‹#›</a:t>
+              <a:t>‹N›</a:t>
             </a:fld>
             <a:endParaRPr lang="en-US" dirty="0"/>
           </a:p>
@@ -3814,7 +3821,7 @@
             <a:fld id="{B61BEF0D-F0BB-DE4B-95CE-6DB70DBA9567}" type="datetimeFigureOut">
               <a:rPr lang="en-US" dirty="0"/>
               <a:pPr/>
-              <a:t>6/5/2020</a:t>
+              <a:t>6/8/2020</a:t>
             </a:fld>
             <a:endParaRPr lang="en-US" dirty="0"/>
           </a:p>
@@ -3857,7 +3864,7 @@
             <a:fld id="{D57F1E4F-1CFF-5643-939E-217C01CDF565}" type="slidenum">
               <a:rPr lang="en-US" dirty="0"/>
               <a:pPr/>
-              <a:t>‹#›</a:t>
+              <a:t>‹N›</a:t>
             </a:fld>
             <a:endParaRPr lang="en-US" dirty="0"/>
           </a:p>
@@ -4253,7 +4260,7 @@
             <a:fld id="{B61BEF0D-F0BB-DE4B-95CE-6DB70DBA9567}" type="datetimeFigureOut">
               <a:rPr lang="en-US" dirty="0"/>
               <a:pPr/>
-              <a:t>6/5/2020</a:t>
+              <a:t>6/8/2020</a:t>
             </a:fld>
             <a:endParaRPr lang="en-US" dirty="0"/>
           </a:p>
@@ -4296,7 +4303,7 @@
             <a:fld id="{D57F1E4F-1CFF-5643-939E-217C01CDF565}" type="slidenum">
               <a:rPr lang="en-US" dirty="0"/>
               <a:pPr/>
-              <a:t>‹#›</a:t>
+              <a:t>‹N›</a:t>
             </a:fld>
             <a:endParaRPr lang="en-US" dirty="0"/>
           </a:p>
@@ -4368,7 +4375,7 @@
             <a:fld id="{B61BEF0D-F0BB-DE4B-95CE-6DB70DBA9567}" type="datetimeFigureOut">
               <a:rPr lang="en-US" dirty="0"/>
               <a:pPr/>
-              <a:t>6/5/2020</a:t>
+              <a:t>6/8/2020</a:t>
             </a:fld>
             <a:endParaRPr lang="en-US" dirty="0"/>
           </a:p>
@@ -4411,7 +4418,7 @@
             <a:fld id="{D57F1E4F-1CFF-5643-939E-217C01CDF565}" type="slidenum">
               <a:rPr lang="en-US" dirty="0"/>
               <a:pPr/>
-              <a:t>‹#›</a:t>
+              <a:t>‹N›</a:t>
             </a:fld>
             <a:endParaRPr lang="en-US" dirty="0"/>
           </a:p>
@@ -4460,7 +4467,7 @@
             <a:fld id="{B61BEF0D-F0BB-DE4B-95CE-6DB70DBA9567}" type="datetimeFigureOut">
               <a:rPr lang="en-US" dirty="0"/>
               <a:pPr/>
-              <a:t>6/5/2020</a:t>
+              <a:t>6/8/2020</a:t>
             </a:fld>
             <a:endParaRPr lang="en-US" dirty="0"/>
           </a:p>
@@ -4503,7 +4510,7 @@
             <a:fld id="{D57F1E4F-1CFF-5643-939E-217C01CDF565}" type="slidenum">
               <a:rPr lang="en-US" dirty="0"/>
               <a:pPr/>
-              <a:t>‹#›</a:t>
+              <a:t>‹N›</a:t>
             </a:fld>
             <a:endParaRPr lang="en-US" dirty="0"/>
           </a:p>
@@ -4740,7 +4747,7 @@
             <a:fld id="{B61BEF0D-F0BB-DE4B-95CE-6DB70DBA9567}" type="datetimeFigureOut">
               <a:rPr lang="en-US" dirty="0"/>
               <a:pPr/>
-              <a:t>6/5/2020</a:t>
+              <a:t>6/8/2020</a:t>
             </a:fld>
             <a:endParaRPr lang="en-US" dirty="0"/>
           </a:p>
@@ -4783,7 +4790,7 @@
             <a:fld id="{D57F1E4F-1CFF-5643-939E-217C01CDF565}" type="slidenum">
               <a:rPr lang="en-US" dirty="0"/>
               <a:pPr/>
-              <a:t>‹#›</a:t>
+              <a:t>‹N›</a:t>
             </a:fld>
             <a:endParaRPr lang="en-US" dirty="0"/>
           </a:p>
@@ -5028,7 +5035,7 @@
             <a:fld id="{B61BEF0D-F0BB-DE4B-95CE-6DB70DBA9567}" type="datetimeFigureOut">
               <a:rPr lang="en-US" dirty="0"/>
               <a:pPr/>
-              <a:t>6/5/2020</a:t>
+              <a:t>6/8/2020</a:t>
             </a:fld>
             <a:endParaRPr lang="en-US" dirty="0"/>
           </a:p>
@@ -5071,7 +5078,7 @@
             <a:fld id="{D57F1E4F-1CFF-5643-939E-217C01CDF565}" type="slidenum">
               <a:rPr lang="en-US" dirty="0"/>
               <a:pPr/>
-              <a:t>‹#›</a:t>
+              <a:t>‹N›</a:t>
             </a:fld>
             <a:endParaRPr lang="en-US" dirty="0"/>
           </a:p>
@@ -5555,7 +5562,7 @@
             <a:fld id="{B61BEF0D-F0BB-DE4B-95CE-6DB70DBA9567}" type="datetimeFigureOut">
               <a:rPr lang="en-US" dirty="0"/>
               <a:pPr/>
-              <a:t>6/5/2020</a:t>
+              <a:t>6/8/2020</a:t>
             </a:fld>
             <a:endParaRPr lang="en-US" dirty="0"/>
           </a:p>
@@ -5634,7 +5641,7 @@
             <a:fld id="{D57F1E4F-1CFF-5643-939E-217C01CDF565}" type="slidenum">
               <a:rPr lang="en-US" dirty="0"/>
               <a:pPr/>
-              <a:t>‹#›</a:t>
+              <a:t>‹N›</a:t>
             </a:fld>
             <a:endParaRPr lang="en-US" dirty="0"/>
           </a:p>
@@ -6561,6 +6568,200 @@
 </p:sld>
 </file>
 
+<file path=ppt/slides/slide6.xml><?xml version="1.0" encoding="utf-8"?>
+<p:sld xmlns:a="http://schemas.openxmlformats.org/drawingml/2006/main" xmlns:r="http://schemas.openxmlformats.org/officeDocument/2006/relationships" xmlns:p="http://schemas.openxmlformats.org/presentationml/2006/main">
+  <p:cSld>
+    <p:spTree>
+      <p:nvGrpSpPr>
+        <p:cNvPr id="1" name=""/>
+        <p:cNvGrpSpPr/>
+        <p:nvPr/>
+      </p:nvGrpSpPr>
+      <p:grpSpPr>
+        <a:xfrm>
+          <a:off x="0" y="0"/>
+          <a:ext cx="0" cy="0"/>
+          <a:chOff x="0" y="0"/>
+          <a:chExt cx="0" cy="0"/>
+        </a:xfrm>
+      </p:grpSpPr>
+      <p:sp>
+        <p:nvSpPr>
+          <p:cNvPr id="2" name="Titolo 1">
+            <a:extLst>
+              <a:ext uri="{FF2B5EF4-FFF2-40B4-BE49-F238E27FC236}">
+                <a16:creationId xmlns:a16="http://schemas.microsoft.com/office/drawing/2014/main" id="{AD0031BE-A4F3-4338-8197-87318800680C}"/>
+              </a:ext>
+            </a:extLst>
+          </p:cNvPr>
+          <p:cNvSpPr>
+            <a:spLocks noGrp="1"/>
+          </p:cNvSpPr>
+          <p:nvPr>
+            <p:ph type="ctrTitle"/>
+          </p:nvPr>
+        </p:nvSpPr>
+        <p:spPr>
+          <a:xfrm>
+            <a:off x="2928400" y="0"/>
+            <a:ext cx="8574622" cy="1026564"/>
+          </a:xfrm>
+        </p:spPr>
+        <p:txBody>
+          <a:bodyPr/>
+          <a:lstStyle/>
+          <a:p>
+            <a:r>
+              <a:rPr lang="it-IT" dirty="0"/>
+              <a:t>Archiviazione dei dati</a:t>
+            </a:r>
+          </a:p>
+        </p:txBody>
+      </p:sp>
+      <p:sp>
+        <p:nvSpPr>
+          <p:cNvPr id="3" name="Sottotitolo 2">
+            <a:extLst>
+              <a:ext uri="{FF2B5EF4-FFF2-40B4-BE49-F238E27FC236}">
+                <a16:creationId xmlns:a16="http://schemas.microsoft.com/office/drawing/2014/main" id="{7C0E4208-79B1-4E08-80BD-3B8142EE96A3}"/>
+              </a:ext>
+            </a:extLst>
+          </p:cNvPr>
+          <p:cNvSpPr>
+            <a:spLocks noGrp="1"/>
+          </p:cNvSpPr>
+          <p:nvPr>
+            <p:ph type="subTitle" idx="1"/>
+          </p:nvPr>
+        </p:nvSpPr>
+        <p:spPr>
+          <a:xfrm>
+            <a:off x="4515377" y="1580237"/>
+            <a:ext cx="6987645" cy="4358237"/>
+          </a:xfrm>
+        </p:spPr>
+        <p:txBody>
+          <a:bodyPr/>
+          <a:lstStyle/>
+          <a:p>
+            <a:r>
+              <a:rPr lang="it-IT" dirty="0"/>
+              <a:t>Dopo aver estrapolato i dati tramite la libreria ‘simple_html_dom.php’, abbiamo deciso di salvare tutti i dati nel nostro database per poterli successivamente andarli a prelevare quando necessario. Quindi grazie alla classe ‘Crawler’ che raccoglie i dati in base ai tag selezionati in una specifica pagina web; una volta selezionato i tag da qui prelevare i dati viene lanciata una query che aggiunge i dati nel database   </a:t>
+            </a:r>
+          </a:p>
+        </p:txBody>
+      </p:sp>
+    </p:spTree>
+    <p:extLst>
+      <p:ext uri="{BB962C8B-B14F-4D97-AF65-F5344CB8AC3E}">
+        <p14:creationId xmlns:p14="http://schemas.microsoft.com/office/powerpoint/2010/main" val="2902172951"/>
+      </p:ext>
+    </p:extLst>
+  </p:cSld>
+  <p:clrMapOvr>
+    <a:masterClrMapping/>
+  </p:clrMapOvr>
+</p:sld>
+</file>
+
+<file path=ppt/slides/slide7.xml><?xml version="1.0" encoding="utf-8"?>
+<p:sld xmlns:a="http://schemas.openxmlformats.org/drawingml/2006/main" xmlns:r="http://schemas.openxmlformats.org/officeDocument/2006/relationships" xmlns:p="http://schemas.openxmlformats.org/presentationml/2006/main">
+  <p:cSld>
+    <p:spTree>
+      <p:nvGrpSpPr>
+        <p:cNvPr id="1" name=""/>
+        <p:cNvGrpSpPr/>
+        <p:nvPr/>
+      </p:nvGrpSpPr>
+      <p:grpSpPr>
+        <a:xfrm>
+          <a:off x="0" y="0"/>
+          <a:ext cx="0" cy="0"/>
+          <a:chOff x="0" y="0"/>
+          <a:chExt cx="0" cy="0"/>
+        </a:xfrm>
+      </p:grpSpPr>
+      <p:sp>
+        <p:nvSpPr>
+          <p:cNvPr id="2" name="Titolo 1">
+            <a:extLst>
+              <a:ext uri="{FF2B5EF4-FFF2-40B4-BE49-F238E27FC236}">
+                <a16:creationId xmlns:a16="http://schemas.microsoft.com/office/drawing/2014/main" id="{07B91977-3459-4692-BA9D-F2180E171B25}"/>
+              </a:ext>
+            </a:extLst>
+          </p:cNvPr>
+          <p:cNvSpPr>
+            <a:spLocks noGrp="1"/>
+          </p:cNvSpPr>
+          <p:nvPr>
+            <p:ph type="ctrTitle"/>
+          </p:nvPr>
+        </p:nvSpPr>
+        <p:spPr>
+          <a:xfrm>
+            <a:off x="2928400" y="9476"/>
+            <a:ext cx="8574622" cy="1134534"/>
+          </a:xfrm>
+        </p:spPr>
+        <p:txBody>
+          <a:bodyPr/>
+          <a:lstStyle/>
+          <a:p>
+            <a:r>
+              <a:rPr lang="it-IT" dirty="0"/>
+              <a:t>Visualizzazione dei dati</a:t>
+            </a:r>
+          </a:p>
+        </p:txBody>
+      </p:sp>
+      <p:sp>
+        <p:nvSpPr>
+          <p:cNvPr id="3" name="Sottotitolo 2">
+            <a:extLst>
+              <a:ext uri="{FF2B5EF4-FFF2-40B4-BE49-F238E27FC236}">
+                <a16:creationId xmlns:a16="http://schemas.microsoft.com/office/drawing/2014/main" id="{B497EB14-181B-4060-8B38-10C47C5BE616}"/>
+              </a:ext>
+            </a:extLst>
+          </p:cNvPr>
+          <p:cNvSpPr>
+            <a:spLocks noGrp="1"/>
+          </p:cNvSpPr>
+          <p:nvPr>
+            <p:ph type="subTitle" idx="1"/>
+          </p:nvPr>
+        </p:nvSpPr>
+        <p:spPr>
+          <a:xfrm>
+            <a:off x="4515377" y="1501629"/>
+            <a:ext cx="6987645" cy="5201176"/>
+          </a:xfrm>
+        </p:spPr>
+        <p:txBody>
+          <a:bodyPr>
+            <a:normAutofit/>
+          </a:bodyPr>
+          <a:lstStyle/>
+          <a:p>
+            <a:r>
+              <a:rPr lang="it-IT" dirty="0"/>
+              <a:t>Una volta realizzato il mock-up del bot siamo passati alla stesura del codice, decidendo di utilizzare il php come linguaggio. Successivamente abbiamo diviso le varie funzioni dell’applicazione con uno switch al cui interno abbiamo messo tutti i casi proposti dalle keyboard markup. A questo punto abbiamo creato il DAO ed il DO per ognuna della tabelle presenti nel database, in questo modo abbiamo potuto gestire ogni campo come un oggetto, il che ci ha facilitato nella gestione dei dati. Per reperire i dati nel database abbiamo usato delle query dinamiche che interrogano il database </a:t>
+            </a:r>
+          </a:p>
+        </p:txBody>
+      </p:sp>
+    </p:spTree>
+    <p:extLst>
+      <p:ext uri="{BB962C8B-B14F-4D97-AF65-F5344CB8AC3E}">
+        <p14:creationId xmlns:p14="http://schemas.microsoft.com/office/powerpoint/2010/main" val="1741040668"/>
+      </p:ext>
+    </p:extLst>
+  </p:cSld>
+  <p:clrMapOvr>
+    <a:masterClrMapping/>
+  </p:clrMapOvr>
+</p:sld>
+</file>
+
 <file path=ppt/theme/theme1.xml><?xml version="1.0" encoding="utf-8"?>
 <a:theme xmlns:a="http://schemas.openxmlformats.org/drawingml/2006/main" name="Parallax">
   <a:themeElements>
